--- a/Design%20Documents/PresentationSoft_latest version.pptx
+++ b/Design%20Documents/PresentationSoft_latest version.pptx
@@ -8,14 +8,19 @@
     <p:sldId id="256" r:id="rId2"/>
     <p:sldId id="257" r:id="rId3"/>
     <p:sldId id="270" r:id="rId4"/>
-    <p:sldId id="269" r:id="rId5"/>
-    <p:sldId id="271" r:id="rId6"/>
-    <p:sldId id="272" r:id="rId7"/>
-    <p:sldId id="273" r:id="rId8"/>
-    <p:sldId id="276" r:id="rId9"/>
-    <p:sldId id="274" r:id="rId10"/>
-    <p:sldId id="275" r:id="rId11"/>
-    <p:sldId id="267" r:id="rId12"/>
+    <p:sldId id="274" r:id="rId5"/>
+    <p:sldId id="269" r:id="rId6"/>
+    <p:sldId id="271" r:id="rId7"/>
+    <p:sldId id="272" r:id="rId8"/>
+    <p:sldId id="273" r:id="rId9"/>
+    <p:sldId id="277" r:id="rId10"/>
+    <p:sldId id="278" r:id="rId11"/>
+    <p:sldId id="279" r:id="rId12"/>
+    <p:sldId id="276" r:id="rId13"/>
+    <p:sldId id="275" r:id="rId14"/>
+    <p:sldId id="280" r:id="rId15"/>
+    <p:sldId id="281" r:id="rId16"/>
+    <p:sldId id="267" r:id="rId17"/>
   </p:sldIdLst>
   <p:sldSz cx="9144000" cy="6858000" type="screen4x3"/>
   <p:notesSz cx="6858000" cy="9144000"/>
@@ -116,7 +121,7 @@
   </p:defaultTextStyle>
   <p:extLst>
     <p:ext uri="{EFAFB233-063F-42B5-8137-9DF3F51BA10A}">
-      <p15:sldGuideLst xmlns="" xmlns:p15="http://schemas.microsoft.com/office/powerpoint/2012/main">
+      <p15:sldGuideLst xmlns:p15="http://schemas.microsoft.com/office/powerpoint/2012/main">
         <p15:guide id="1" orient="horz" pos="2160">
           <p15:clr>
             <a:srgbClr val="A4A3A4"/>
@@ -4879,17 +4884,245 @@
   <p:clrMapOvr>
     <a:masterClrMapping/>
   </p:clrMapOvr>
-  <p:timing>
-    <p:tnLst>
-      <p:par>
-        <p:cTn xmlns:p14="http://schemas.microsoft.com/office/powerpoint/2010/main" id="1" dur="indefinite" restart="never" nodeType="tmRoot"/>
-      </p:par>
-    </p:tnLst>
-  </p:timing>
 </p:sld>
 </file>
 
 <file path=ppt/slides/slide10.xml><?xml version="1.0" encoding="utf-8"?>
+<p:sld xmlns:a="http://schemas.openxmlformats.org/drawingml/2006/main" xmlns:r="http://schemas.openxmlformats.org/officeDocument/2006/relationships" xmlns:p="http://schemas.openxmlformats.org/presentationml/2006/main">
+  <p:cSld>
+    <p:spTree>
+      <p:nvGrpSpPr>
+        <p:cNvPr id="1" name=""/>
+        <p:cNvGrpSpPr/>
+        <p:nvPr/>
+      </p:nvGrpSpPr>
+      <p:grpSpPr>
+        <a:xfrm>
+          <a:off x="0" y="0"/>
+          <a:ext cx="0" cy="0"/>
+          <a:chOff x="0" y="0"/>
+          <a:chExt cx="0" cy="0"/>
+        </a:xfrm>
+      </p:grpSpPr>
+      <p:sp>
+        <p:nvSpPr>
+          <p:cNvPr id="2" name="Title 1"/>
+          <p:cNvSpPr>
+            <a:spLocks noGrp="1"/>
+          </p:cNvSpPr>
+          <p:nvPr>
+            <p:ph type="title"/>
+          </p:nvPr>
+        </p:nvSpPr>
+        <p:spPr/>
+        <p:txBody>
+          <a:bodyPr/>
+          <a:lstStyle/>
+          <a:p>
+            <a:endParaRPr lang="en-US"/>
+          </a:p>
+        </p:txBody>
+      </p:sp>
+      <p:pic>
+        <p:nvPicPr>
+          <p:cNvPr id="4" name="Content Placeholder 3"/>
+          <p:cNvPicPr>
+            <a:picLocks noGrp="1" noChangeAspect="1"/>
+          </p:cNvPicPr>
+          <p:nvPr>
+            <p:ph idx="1"/>
+          </p:nvPr>
+        </p:nvPicPr>
+        <p:blipFill>
+          <a:blip r:embed="rId2" cstate="email">
+            <a:extLst>
+              <a:ext uri="{28A0092B-C50C-407E-A947-70E740481C1C}">
+                <a14:useLocalDpi xmlns:a14="http://schemas.microsoft.com/office/drawing/2010/main" val="0"/>
+              </a:ext>
+            </a:extLst>
+          </a:blip>
+          <a:stretch>
+            <a:fillRect/>
+          </a:stretch>
+        </p:blipFill>
+        <p:spPr>
+          <a:xfrm>
+            <a:off x="3557003" y="1100138"/>
+            <a:ext cx="2052219" cy="3579812"/>
+          </a:xfrm>
+        </p:spPr>
+      </p:pic>
+    </p:spTree>
+    <p:extLst>
+      <p:ext uri="{BB962C8B-B14F-4D97-AF65-F5344CB8AC3E}">
+        <p14:creationId xmlns:p14="http://schemas.microsoft.com/office/powerpoint/2010/main" val="2240835316"/>
+      </p:ext>
+    </p:extLst>
+  </p:cSld>
+  <p:clrMapOvr>
+    <a:masterClrMapping/>
+  </p:clrMapOvr>
+</p:sld>
+</file>
+
+<file path=ppt/slides/slide11.xml><?xml version="1.0" encoding="utf-8"?>
+<p:sld xmlns:a="http://schemas.openxmlformats.org/drawingml/2006/main" xmlns:r="http://schemas.openxmlformats.org/officeDocument/2006/relationships" xmlns:p="http://schemas.openxmlformats.org/presentationml/2006/main">
+  <p:cSld>
+    <p:spTree>
+      <p:nvGrpSpPr>
+        <p:cNvPr id="1" name=""/>
+        <p:cNvGrpSpPr/>
+        <p:nvPr/>
+      </p:nvGrpSpPr>
+      <p:grpSpPr>
+        <a:xfrm>
+          <a:off x="0" y="0"/>
+          <a:ext cx="0" cy="0"/>
+          <a:chOff x="0" y="0"/>
+          <a:chExt cx="0" cy="0"/>
+        </a:xfrm>
+      </p:grpSpPr>
+      <p:sp>
+        <p:nvSpPr>
+          <p:cNvPr id="2" name="Title 1"/>
+          <p:cNvSpPr>
+            <a:spLocks noGrp="1"/>
+          </p:cNvSpPr>
+          <p:nvPr>
+            <p:ph type="title"/>
+          </p:nvPr>
+        </p:nvSpPr>
+        <p:spPr/>
+        <p:txBody>
+          <a:bodyPr/>
+          <a:lstStyle/>
+          <a:p>
+            <a:endParaRPr lang="en-US"/>
+          </a:p>
+        </p:txBody>
+      </p:sp>
+      <p:pic>
+        <p:nvPicPr>
+          <p:cNvPr id="4" name="Content Placeholder 3"/>
+          <p:cNvPicPr>
+            <a:picLocks noGrp="1" noChangeAspect="1"/>
+          </p:cNvPicPr>
+          <p:nvPr>
+            <p:ph idx="1"/>
+          </p:nvPr>
+        </p:nvPicPr>
+        <p:blipFill>
+          <a:blip r:embed="rId2" cstate="email">
+            <a:extLst>
+              <a:ext uri="{28A0092B-C50C-407E-A947-70E740481C1C}">
+                <a14:useLocalDpi xmlns:a14="http://schemas.microsoft.com/office/drawing/2010/main" val="0"/>
+              </a:ext>
+            </a:extLst>
+          </a:blip>
+          <a:stretch>
+            <a:fillRect/>
+          </a:stretch>
+        </p:blipFill>
+        <p:spPr>
+          <a:xfrm>
+            <a:off x="3557003" y="1100138"/>
+            <a:ext cx="2052219" cy="3579812"/>
+          </a:xfrm>
+        </p:spPr>
+      </p:pic>
+    </p:spTree>
+    <p:extLst>
+      <p:ext uri="{BB962C8B-B14F-4D97-AF65-F5344CB8AC3E}">
+        <p14:creationId xmlns:p14="http://schemas.microsoft.com/office/powerpoint/2010/main" val="3334485875"/>
+      </p:ext>
+    </p:extLst>
+  </p:cSld>
+  <p:clrMapOvr>
+    <a:masterClrMapping/>
+  </p:clrMapOvr>
+</p:sld>
+</file>
+
+<file path=ppt/slides/slide12.xml><?xml version="1.0" encoding="utf-8"?>
+<p:sld xmlns:a="http://schemas.openxmlformats.org/drawingml/2006/main" xmlns:r="http://schemas.openxmlformats.org/officeDocument/2006/relationships" xmlns:p="http://schemas.openxmlformats.org/presentationml/2006/main">
+  <p:cSld>
+    <p:spTree>
+      <p:nvGrpSpPr>
+        <p:cNvPr id="1" name=""/>
+        <p:cNvGrpSpPr/>
+        <p:nvPr/>
+      </p:nvGrpSpPr>
+      <p:grpSpPr>
+        <a:xfrm>
+          <a:off x="0" y="0"/>
+          <a:ext cx="0" cy="0"/>
+          <a:chOff x="0" y="0"/>
+          <a:chExt cx="0" cy="0"/>
+        </a:xfrm>
+      </p:grpSpPr>
+      <p:sp>
+        <p:nvSpPr>
+          <p:cNvPr id="2" name="Title 1"/>
+          <p:cNvSpPr>
+            <a:spLocks noGrp="1"/>
+          </p:cNvSpPr>
+          <p:nvPr>
+            <p:ph type="title"/>
+          </p:nvPr>
+        </p:nvSpPr>
+        <p:spPr/>
+        <p:txBody>
+          <a:bodyPr/>
+          <a:lstStyle/>
+          <a:p>
+            <a:endParaRPr lang="en-US"/>
+          </a:p>
+        </p:txBody>
+      </p:sp>
+      <p:pic>
+        <p:nvPicPr>
+          <p:cNvPr id="4" name="Content Placeholder 3" descr="OpenMenu Menu Groups - Hierarchical - Functional Dependency.png"/>
+          <p:cNvPicPr>
+            <a:picLocks noGrp="1" noChangeAspect="1"/>
+          </p:cNvPicPr>
+          <p:nvPr>
+            <p:ph idx="1"/>
+          </p:nvPr>
+        </p:nvPicPr>
+        <p:blipFill>
+          <a:blip r:embed="rId2" cstate="email">
+            <a:extLst>
+              <a:ext uri="{28A0092B-C50C-407E-A947-70E740481C1C}">
+                <a14:useLocalDpi xmlns:a14="http://schemas.microsoft.com/office/drawing/2010/main" val="0"/>
+              </a:ext>
+            </a:extLst>
+          </a:blip>
+          <a:srcRect t="-79439" b="-79439"/>
+          <a:stretch>
+            <a:fillRect/>
+          </a:stretch>
+        </p:blipFill>
+        <p:spPr>
+          <a:xfrm>
+            <a:off x="396690" y="709306"/>
+            <a:ext cx="8343072" cy="3971171"/>
+          </a:xfrm>
+        </p:spPr>
+      </p:pic>
+    </p:spTree>
+    <p:extLst>
+      <p:ext uri="{BB962C8B-B14F-4D97-AF65-F5344CB8AC3E}">
+        <p14:creationId xmlns:p14="http://schemas.microsoft.com/office/powerpoint/2010/main" val="3904743120"/>
+      </p:ext>
+    </p:extLst>
+  </p:cSld>
+  <p:clrMapOvr>
+    <a:masterClrMapping/>
+  </p:clrMapOvr>
+</p:sld>
+</file>
+
+<file path=ppt/slides/slide13.xml><?xml version="1.0" encoding="utf-8"?>
 <p:sld xmlns:a="http://schemas.openxmlformats.org/drawingml/2006/main" xmlns:r="http://schemas.openxmlformats.org/officeDocument/2006/relationships" xmlns:p="http://schemas.openxmlformats.org/presentationml/2006/main">
   <p:cSld>
     <p:spTree>
@@ -4917,7 +5150,7 @@
           </p:nvPr>
         </p:nvPicPr>
         <p:blipFill>
-          <a:blip r:embed="rId2">
+          <a:blip r:embed="rId2" cstate="email">
             <a:extLst>
               <a:ext uri="{28A0092B-C50C-407E-A947-70E740481C1C}">
                 <a14:useLocalDpi xmlns:a14="http://schemas.microsoft.com/office/drawing/2010/main" val="0"/>
@@ -4949,7 +5182,163 @@
 </p:sld>
 </file>
 
-<file path=ppt/slides/slide11.xml><?xml version="1.0" encoding="utf-8"?>
+<file path=ppt/slides/slide14.xml><?xml version="1.0" encoding="utf-8"?>
+<p:sld xmlns:a="http://schemas.openxmlformats.org/drawingml/2006/main" xmlns:r="http://schemas.openxmlformats.org/officeDocument/2006/relationships" xmlns:p="http://schemas.openxmlformats.org/presentationml/2006/main">
+  <p:cSld>
+    <p:spTree>
+      <p:nvGrpSpPr>
+        <p:cNvPr id="1" name=""/>
+        <p:cNvGrpSpPr/>
+        <p:nvPr/>
+      </p:nvGrpSpPr>
+      <p:grpSpPr>
+        <a:xfrm>
+          <a:off x="0" y="0"/>
+          <a:ext cx="0" cy="0"/>
+          <a:chOff x="0" y="0"/>
+          <a:chExt cx="0" cy="0"/>
+        </a:xfrm>
+      </p:grpSpPr>
+      <p:sp>
+        <p:nvSpPr>
+          <p:cNvPr id="2" name="Title 1"/>
+          <p:cNvSpPr>
+            <a:spLocks noGrp="1"/>
+          </p:cNvSpPr>
+          <p:nvPr>
+            <p:ph type="title"/>
+          </p:nvPr>
+        </p:nvSpPr>
+        <p:spPr/>
+        <p:txBody>
+          <a:bodyPr/>
+          <a:lstStyle/>
+          <a:p>
+            <a:endParaRPr lang="en-US"/>
+          </a:p>
+        </p:txBody>
+      </p:sp>
+      <p:pic>
+        <p:nvPicPr>
+          <p:cNvPr id="4" name="Content Placeholder 3"/>
+          <p:cNvPicPr>
+            <a:picLocks noGrp="1" noChangeAspect="1"/>
+          </p:cNvPicPr>
+          <p:nvPr>
+            <p:ph idx="1"/>
+          </p:nvPr>
+        </p:nvPicPr>
+        <p:blipFill>
+          <a:blip r:embed="rId2" cstate="email">
+            <a:extLst>
+              <a:ext uri="{28A0092B-C50C-407E-A947-70E740481C1C}">
+                <a14:useLocalDpi xmlns:a14="http://schemas.microsoft.com/office/drawing/2010/main" val="0"/>
+              </a:ext>
+            </a:extLst>
+          </a:blip>
+          <a:stretch>
+            <a:fillRect/>
+          </a:stretch>
+        </p:blipFill>
+        <p:spPr>
+          <a:xfrm>
+            <a:off x="2744033" y="1100138"/>
+            <a:ext cx="3678158" cy="3579812"/>
+          </a:xfrm>
+        </p:spPr>
+      </p:pic>
+    </p:spTree>
+    <p:extLst>
+      <p:ext uri="{BB962C8B-B14F-4D97-AF65-F5344CB8AC3E}">
+        <p14:creationId xmlns:p14="http://schemas.microsoft.com/office/powerpoint/2010/main" val="3160520500"/>
+      </p:ext>
+    </p:extLst>
+  </p:cSld>
+  <p:clrMapOvr>
+    <a:masterClrMapping/>
+  </p:clrMapOvr>
+</p:sld>
+</file>
+
+<file path=ppt/slides/slide15.xml><?xml version="1.0" encoding="utf-8"?>
+<p:sld xmlns:a="http://schemas.openxmlformats.org/drawingml/2006/main" xmlns:r="http://schemas.openxmlformats.org/officeDocument/2006/relationships" xmlns:p="http://schemas.openxmlformats.org/presentationml/2006/main">
+  <p:cSld>
+    <p:spTree>
+      <p:nvGrpSpPr>
+        <p:cNvPr id="1" name=""/>
+        <p:cNvGrpSpPr/>
+        <p:nvPr/>
+      </p:nvGrpSpPr>
+      <p:grpSpPr>
+        <a:xfrm>
+          <a:off x="0" y="0"/>
+          <a:ext cx="0" cy="0"/>
+          <a:chOff x="0" y="0"/>
+          <a:chExt cx="0" cy="0"/>
+        </a:xfrm>
+      </p:grpSpPr>
+      <p:sp>
+        <p:nvSpPr>
+          <p:cNvPr id="2" name="Title 1"/>
+          <p:cNvSpPr>
+            <a:spLocks noGrp="1"/>
+          </p:cNvSpPr>
+          <p:nvPr>
+            <p:ph type="title"/>
+          </p:nvPr>
+        </p:nvSpPr>
+        <p:spPr/>
+        <p:txBody>
+          <a:bodyPr/>
+          <a:lstStyle/>
+          <a:p>
+            <a:endParaRPr lang="en-US"/>
+          </a:p>
+        </p:txBody>
+      </p:sp>
+      <p:pic>
+        <p:nvPicPr>
+          <p:cNvPr id="4" name="Content Placeholder 3"/>
+          <p:cNvPicPr>
+            <a:picLocks noGrp="1" noChangeAspect="1"/>
+          </p:cNvPicPr>
+          <p:nvPr>
+            <p:ph idx="1"/>
+          </p:nvPr>
+        </p:nvPicPr>
+        <p:blipFill>
+          <a:blip r:embed="rId2" cstate="email">
+            <a:extLst>
+              <a:ext uri="{28A0092B-C50C-407E-A947-70E740481C1C}">
+                <a14:useLocalDpi xmlns:a14="http://schemas.microsoft.com/office/drawing/2010/main" val="0"/>
+              </a:ext>
+            </a:extLst>
+          </a:blip>
+          <a:stretch>
+            <a:fillRect/>
+          </a:stretch>
+        </p:blipFill>
+        <p:spPr>
+          <a:xfrm>
+            <a:off x="2232766" y="1100138"/>
+            <a:ext cx="4700692" cy="3579812"/>
+          </a:xfrm>
+        </p:spPr>
+      </p:pic>
+    </p:spTree>
+    <p:extLst>
+      <p:ext uri="{BB962C8B-B14F-4D97-AF65-F5344CB8AC3E}">
+        <p14:creationId xmlns:p14="http://schemas.microsoft.com/office/powerpoint/2010/main" val="3103337091"/>
+      </p:ext>
+    </p:extLst>
+  </p:cSld>
+  <p:clrMapOvr>
+    <a:masterClrMapping/>
+  </p:clrMapOvr>
+</p:sld>
+</file>
+
+<file path=ppt/slides/slide16.xml><?xml version="1.0" encoding="utf-8"?>
 <p:sld xmlns:a="http://schemas.openxmlformats.org/drawingml/2006/main" xmlns:r="http://schemas.openxmlformats.org/officeDocument/2006/relationships" xmlns:p="http://schemas.openxmlformats.org/presentationml/2006/main">
   <p:cSld>
     <p:spTree>
@@ -5024,13 +5413,6 @@
   <p:clrMapOvr>
     <a:masterClrMapping/>
   </p:clrMapOvr>
-  <p:timing>
-    <p:tnLst>
-      <p:par>
-        <p:cTn xmlns:p14="http://schemas.microsoft.com/office/powerpoint/2010/main" id="1" dur="indefinite" restart="never" nodeType="tmRoot"/>
-      </p:par>
-    </p:tnLst>
-  </p:timing>
 </p:sld>
 </file>
 
@@ -5173,13 +5555,6 @@
   <p:clrMapOvr>
     <a:masterClrMapping/>
   </p:clrMapOvr>
-  <p:timing>
-    <p:tnLst>
-      <p:par>
-        <p:cTn xmlns:p14="http://schemas.microsoft.com/office/powerpoint/2010/main" id="1" dur="indefinite" restart="never" nodeType="tmRoot"/>
-      </p:par>
-    </p:tnLst>
-  </p:timing>
 </p:sld>
 </file>
 
@@ -5216,10 +5591,9 @@
           <a:lstStyle/>
           <a:p>
             <a:r>
-              <a:rPr lang="en-US" dirty="0" smtClean="0"/>
-              <a:t>Trade Offs</a:t>
-            </a:r>
-            <a:endParaRPr lang="en-US" dirty="0"/>
+              <a:rPr lang="en-US" dirty="0"/>
+              <a:t>Client-Server Trade Offs</a:t>
+            </a:r>
           </a:p>
         </p:txBody>
       </p:sp>
@@ -5235,44 +5609,52 @@
         </p:nvSpPr>
         <p:spPr/>
         <p:txBody>
-          <a:bodyPr/>
-          <a:lstStyle/>
-          <a:p>
-            <a:r>
-              <a:rPr lang="en-US" dirty="0" smtClean="0"/>
-              <a:t>-Need </a:t>
-            </a:r>
-            <a:r>
-              <a:rPr lang="en-US" smtClean="0"/>
-              <a:t>wireless access </a:t>
-            </a:r>
-            <a:r>
-              <a:rPr lang="en-US" dirty="0" smtClean="0"/>
-              <a:t>to use application</a:t>
-            </a:r>
-          </a:p>
-          <a:p>
-            <a:r>
-              <a:rPr lang="en-US" dirty="0" smtClean="0"/>
-              <a:t>-Sacrifice in performance in favor of updates</a:t>
-            </a:r>
-          </a:p>
-          <a:p>
-            <a:r>
-              <a:rPr lang="en-US" dirty="0" smtClean="0"/>
-              <a:t>-Potential lack of IT personal</a:t>
-            </a:r>
-          </a:p>
-          <a:p>
-            <a:r>
-              <a:rPr lang="en-US" dirty="0" smtClean="0"/>
-              <a:t>-Single-pointed failure</a:t>
-            </a:r>
-          </a:p>
-          <a:p>
-            <a:r>
-              <a:rPr lang="en-US" dirty="0" smtClean="0"/>
-              <a:t>-Investment </a:t>
+          <a:bodyPr>
+            <a:normAutofit lnSpcReduction="10000"/>
+          </a:bodyPr>
+          <a:lstStyle/>
+          <a:p>
+            <a:pPr algn="just"/>
+            <a:r>
+              <a:rPr lang="en-US" dirty="0"/>
+              <a:t>- User devices will need wireless internet access to reach the server; either </a:t>
+            </a:r>
+            <a:r>
+              <a:rPr lang="en-US" dirty="0" err="1"/>
+              <a:t>WiFi</a:t>
+            </a:r>
+            <a:r>
+              <a:rPr lang="en-US" dirty="0"/>
+              <a:t> or a data plan. Restaurant owner may wish to provide free </a:t>
+            </a:r>
+            <a:r>
+              <a:rPr lang="en-US" dirty="0" err="1"/>
+              <a:t>WiFi</a:t>
+            </a:r>
+            <a:r>
+              <a:rPr lang="en-US" dirty="0"/>
+              <a:t> access to mitigate this risk.</a:t>
+            </a:r>
+          </a:p>
+          <a:p>
+            <a:pPr algn="just"/>
+            <a:r>
+              <a:rPr lang="en-US" dirty="0"/>
+              <a:t>- Performance can be a serious issue if the server is under heavy load due to bottleneck. Likewise, there is a single-point of failure; if the server goes down, application is useless. Restaurant owner may wish to invest in a cloud-computing platform such as Amazon’s AWS or Microsoft’s Azure to spin up multiple server instances for load balancing and redundancy to mitigate this risk.</a:t>
+            </a:r>
+          </a:p>
+          <a:p>
+            <a:pPr algn="just"/>
+            <a:r>
+              <a:rPr lang="en-US" dirty="0"/>
+              <a:t>- All non-trivial operations must be performed server-side; performing operations on the client-side represents a security risk. In our case, clients are nothing more than internet browsers; therefore the client’s only responsibility is to render content.</a:t>
+            </a:r>
+          </a:p>
+          <a:p>
+            <a:pPr algn="just"/>
+            <a:r>
+              <a:rPr lang="en-US" dirty="0"/>
+              <a:t>- Restaurant owner may wish to invest in dedicated IT personnel to perform regular basic maintenance duties.</a:t>
             </a:r>
             <a:endParaRPr lang="en-US" dirty="0"/>
           </a:p>
@@ -5308,37 +5690,9 @@
           <a:chExt cx="0" cy="0"/>
         </a:xfrm>
       </p:grpSpPr>
-      <p:sp>
-        <p:nvSpPr>
-          <p:cNvPr id="2" name="Title 1"/>
-          <p:cNvSpPr>
-            <a:spLocks noGrp="1"/>
-          </p:cNvSpPr>
-          <p:nvPr>
-            <p:ph type="title"/>
-          </p:nvPr>
-        </p:nvSpPr>
-        <p:spPr>
-          <a:xfrm>
-            <a:off x="3264110" y="72073"/>
-            <a:ext cx="2673820" cy="548640"/>
-          </a:xfrm>
-        </p:spPr>
-        <p:txBody>
-          <a:bodyPr/>
-          <a:lstStyle/>
-          <a:p>
-            <a:r>
-              <a:rPr lang="en-US" dirty="0" smtClean="0"/>
-              <a:t>Main menu</a:t>
-            </a:r>
-            <a:endParaRPr lang="en-US" dirty="0"/>
-          </a:p>
-        </p:txBody>
-      </p:sp>
       <p:pic>
         <p:nvPicPr>
-          <p:cNvPr id="4" name="Content Placeholder 3"/>
+          <p:cNvPr id="4" name="Content Placeholder 3" descr="Server Architecture Layer Diagram.png"/>
           <p:cNvPicPr>
             <a:picLocks noGrp="1" noChangeAspect="1"/>
           </p:cNvPicPr>
@@ -5346,28 +5700,30 @@
             <p:ph idx="1"/>
           </p:nvPr>
         </p:nvPicPr>
-        <p:blipFill rotWithShape="1">
-          <a:blip r:embed="rId2">
+        <p:blipFill>
+          <a:blip r:embed="rId2" cstate="email">
             <a:extLst>
               <a:ext uri="{28A0092B-C50C-407E-A947-70E740481C1C}">
                 <a14:useLocalDpi xmlns:a14="http://schemas.microsoft.com/office/drawing/2010/main" val="0"/>
               </a:ext>
             </a:extLst>
           </a:blip>
-          <a:srcRect t="1698" b="25557"/>
-          <a:stretch/>
+          <a:srcRect l="-60321" r="-60321"/>
+          <a:stretch>
+            <a:fillRect/>
+          </a:stretch>
         </p:blipFill>
         <p:spPr>
           <a:xfrm>
-            <a:off x="460499" y="620713"/>
-            <a:ext cx="7602537" cy="4278448"/>
+            <a:off x="168970" y="494866"/>
+            <a:ext cx="8793593" cy="4185612"/>
           </a:xfrm>
         </p:spPr>
       </p:pic>
     </p:spTree>
     <p:extLst>
       <p:ext uri="{BB962C8B-B14F-4D97-AF65-F5344CB8AC3E}">
-        <p14:creationId xmlns:p14="http://schemas.microsoft.com/office/powerpoint/2010/main" val="2366172532"/>
+        <p14:creationId xmlns:p14="http://schemas.microsoft.com/office/powerpoint/2010/main" val="575060460"/>
       </p:ext>
     </p:extLst>
   </p:cSld>
@@ -5406,8 +5762,8 @@
         </p:nvSpPr>
         <p:spPr>
           <a:xfrm>
-            <a:off x="3148649" y="467592"/>
-            <a:ext cx="3548016" cy="548640"/>
+            <a:off x="3264110" y="72073"/>
+            <a:ext cx="2673820" cy="548640"/>
           </a:xfrm>
         </p:spPr>
         <p:txBody>
@@ -5415,16 +5771,15 @@
           <a:lstStyle/>
           <a:p>
             <a:r>
-              <a:rPr lang="en-US" dirty="0" smtClean="0"/>
-              <a:t>Kitchen view</a:t>
-            </a:r>
-            <a:endParaRPr lang="en-US" dirty="0"/>
+              <a:rPr lang="en-US" dirty="0"/>
+              <a:t>Main menu</a:t>
+            </a:r>
           </a:p>
         </p:txBody>
       </p:sp>
       <p:pic>
         <p:nvPicPr>
-          <p:cNvPr id="4" name="Content Placeholder 3" descr="KitchenView.png"/>
+          <p:cNvPr id="4" name="Content Placeholder 3"/>
           <p:cNvPicPr>
             <a:picLocks noGrp="1" noChangeAspect="1"/>
           </p:cNvPicPr>
@@ -5433,24 +5788,28 @@
           </p:nvPr>
         </p:nvPicPr>
         <p:blipFill>
-          <a:blip r:embed="rId2">
+          <a:blip r:embed="rId2" cstate="email">
             <a:extLst>
               <a:ext uri="{28A0092B-C50C-407E-A947-70E740481C1C}">
                 <a14:useLocalDpi xmlns:a14="http://schemas.microsoft.com/office/drawing/2010/main" val="0"/>
               </a:ext>
             </a:extLst>
           </a:blip>
-          <a:srcRect t="12389" b="12389"/>
           <a:stretch>
             <a:fillRect/>
           </a:stretch>
         </p:blipFill>
-        <p:spPr/>
+        <p:spPr>
+          <a:xfrm>
+            <a:off x="799751" y="911138"/>
+            <a:ext cx="7602537" cy="3697597"/>
+          </a:xfrm>
+        </p:spPr>
       </p:pic>
     </p:spTree>
     <p:extLst>
       <p:ext uri="{BB962C8B-B14F-4D97-AF65-F5344CB8AC3E}">
-        <p14:creationId xmlns:p14="http://schemas.microsoft.com/office/powerpoint/2010/main" val="3322648322"/>
+        <p14:creationId xmlns:p14="http://schemas.microsoft.com/office/powerpoint/2010/main" val="2366172532"/>
       </p:ext>
     </p:extLst>
   </p:cSld>
@@ -5489,6 +5848,93 @@
         </p:nvSpPr>
         <p:spPr>
           <a:xfrm>
+            <a:off x="3148649" y="467592"/>
+            <a:ext cx="3548016" cy="548640"/>
+          </a:xfrm>
+        </p:spPr>
+        <p:txBody>
+          <a:bodyPr/>
+          <a:lstStyle/>
+          <a:p>
+            <a:r>
+              <a:rPr lang="en-US" dirty="0"/>
+              <a:t>Kitchen view</a:t>
+            </a:r>
+          </a:p>
+        </p:txBody>
+      </p:sp>
+      <p:pic>
+        <p:nvPicPr>
+          <p:cNvPr id="4" name="Content Placeholder 3" descr="KitchenView.png"/>
+          <p:cNvPicPr>
+            <a:picLocks noGrp="1" noChangeAspect="1"/>
+          </p:cNvPicPr>
+          <p:nvPr>
+            <p:ph idx="1"/>
+          </p:nvPr>
+        </p:nvPicPr>
+        <p:blipFill>
+          <a:blip r:embed="rId2" cstate="email">
+            <a:extLst>
+              <a:ext uri="{28A0092B-C50C-407E-A947-70E740481C1C}">
+                <a14:useLocalDpi xmlns:a14="http://schemas.microsoft.com/office/drawing/2010/main" val="0"/>
+              </a:ext>
+            </a:extLst>
+          </a:blip>
+          <a:srcRect t="12389" b="12389"/>
+          <a:stretch>
+            <a:fillRect/>
+          </a:stretch>
+        </p:blipFill>
+        <p:spPr>
+          <a:xfrm>
+            <a:off x="822960" y="1100628"/>
+            <a:ext cx="7520940" cy="3828819"/>
+          </a:xfrm>
+        </p:spPr>
+      </p:pic>
+    </p:spTree>
+    <p:extLst>
+      <p:ext uri="{BB962C8B-B14F-4D97-AF65-F5344CB8AC3E}">
+        <p14:creationId xmlns:p14="http://schemas.microsoft.com/office/powerpoint/2010/main" val="3322648322"/>
+      </p:ext>
+    </p:extLst>
+  </p:cSld>
+  <p:clrMapOvr>
+    <a:masterClrMapping/>
+  </p:clrMapOvr>
+</p:sld>
+</file>
+
+<file path=ppt/slides/slide7.xml><?xml version="1.0" encoding="utf-8"?>
+<p:sld xmlns:a="http://schemas.openxmlformats.org/drawingml/2006/main" xmlns:r="http://schemas.openxmlformats.org/officeDocument/2006/relationships" xmlns:p="http://schemas.openxmlformats.org/presentationml/2006/main">
+  <p:cSld>
+    <p:spTree>
+      <p:nvGrpSpPr>
+        <p:cNvPr id="1" name=""/>
+        <p:cNvGrpSpPr/>
+        <p:nvPr/>
+      </p:nvGrpSpPr>
+      <p:grpSpPr>
+        <a:xfrm>
+          <a:off x="0" y="0"/>
+          <a:ext cx="0" cy="0"/>
+          <a:chOff x="0" y="0"/>
+          <a:chExt cx="0" cy="0"/>
+        </a:xfrm>
+      </p:grpSpPr>
+      <p:sp>
+        <p:nvSpPr>
+          <p:cNvPr id="2" name="Title 1"/>
+          <p:cNvSpPr>
+            <a:spLocks noGrp="1"/>
+          </p:cNvSpPr>
+          <p:nvPr>
+            <p:ph type="title"/>
+          </p:nvPr>
+        </p:nvSpPr>
+        <p:spPr>
+          <a:xfrm>
             <a:off x="2653822" y="269647"/>
             <a:ext cx="3729453" cy="548640"/>
           </a:xfrm>
@@ -5498,10 +5944,9 @@
           <a:lstStyle/>
           <a:p>
             <a:r>
-              <a:rPr lang="en-US" dirty="0" smtClean="0"/>
+              <a:rPr lang="en-US" dirty="0"/>
               <a:t>Manager View</a:t>
             </a:r>
-            <a:endParaRPr lang="en-US" dirty="0"/>
           </a:p>
         </p:txBody>
       </p:sp>
@@ -5548,7 +5993,7 @@
 </p:sld>
 </file>
 
-<file path=ppt/slides/slide7.xml><?xml version="1.0" encoding="utf-8"?>
+<file path=ppt/slides/slide8.xml><?xml version="1.0" encoding="utf-8"?>
 <p:sld xmlns:a="http://schemas.openxmlformats.org/drawingml/2006/main" xmlns:r="http://schemas.openxmlformats.org/officeDocument/2006/relationships" xmlns:p="http://schemas.openxmlformats.org/presentationml/2006/main">
   <p:cSld>
     <p:spTree>
@@ -5586,10 +6031,9 @@
           <a:lstStyle/>
           <a:p>
             <a:r>
-              <a:rPr lang="en-US" dirty="0" smtClean="0"/>
+              <a:rPr lang="en-US" dirty="0"/>
               <a:t>Example of order menu</a:t>
             </a:r>
-            <a:endParaRPr lang="en-US" dirty="0"/>
           </a:p>
         </p:txBody>
       </p:sp>
@@ -5634,85 +6078,6 @@
 </p:sld>
 </file>
 
-<file path=ppt/slides/slide8.xml><?xml version="1.0" encoding="utf-8"?>
-<p:sld xmlns:a="http://schemas.openxmlformats.org/drawingml/2006/main" xmlns:r="http://schemas.openxmlformats.org/officeDocument/2006/relationships" xmlns:p="http://schemas.openxmlformats.org/presentationml/2006/main">
-  <p:cSld>
-    <p:spTree>
-      <p:nvGrpSpPr>
-        <p:cNvPr id="1" name=""/>
-        <p:cNvGrpSpPr/>
-        <p:nvPr/>
-      </p:nvGrpSpPr>
-      <p:grpSpPr>
-        <a:xfrm>
-          <a:off x="0" y="0"/>
-          <a:ext cx="0" cy="0"/>
-          <a:chOff x="0" y="0"/>
-          <a:chExt cx="0" cy="0"/>
-        </a:xfrm>
-      </p:grpSpPr>
-      <p:sp>
-        <p:nvSpPr>
-          <p:cNvPr id="2" name="Title 1"/>
-          <p:cNvSpPr>
-            <a:spLocks noGrp="1"/>
-          </p:cNvSpPr>
-          <p:nvPr>
-            <p:ph type="title"/>
-          </p:nvPr>
-        </p:nvSpPr>
-        <p:spPr/>
-        <p:txBody>
-          <a:bodyPr/>
-          <a:lstStyle/>
-          <a:p>
-            <a:endParaRPr lang="en-US"/>
-          </a:p>
-        </p:txBody>
-      </p:sp>
-      <p:pic>
-        <p:nvPicPr>
-          <p:cNvPr id="4" name="Content Placeholder 3" descr="OpenMenu Menu Groups - Hierarchical - Functional Dependency.png"/>
-          <p:cNvPicPr>
-            <a:picLocks noGrp="1" noChangeAspect="1"/>
-          </p:cNvPicPr>
-          <p:nvPr>
-            <p:ph idx="1"/>
-          </p:nvPr>
-        </p:nvPicPr>
-        <p:blipFill>
-          <a:blip r:embed="rId2">
-            <a:extLst>
-              <a:ext uri="{28A0092B-C50C-407E-A947-70E740481C1C}">
-                <a14:useLocalDpi xmlns:a14="http://schemas.microsoft.com/office/drawing/2010/main" val="0"/>
-              </a:ext>
-            </a:extLst>
-          </a:blip>
-          <a:srcRect t="-79439" b="-79439"/>
-          <a:stretch>
-            <a:fillRect/>
-          </a:stretch>
-        </p:blipFill>
-        <p:spPr>
-          <a:xfrm>
-            <a:off x="396690" y="709306"/>
-            <a:ext cx="8343072" cy="3971171"/>
-          </a:xfrm>
-        </p:spPr>
-      </p:pic>
-    </p:spTree>
-    <p:extLst>
-      <p:ext uri="{BB962C8B-B14F-4D97-AF65-F5344CB8AC3E}">
-        <p14:creationId xmlns:p14="http://schemas.microsoft.com/office/powerpoint/2010/main" val="3904743120"/>
-      </p:ext>
-    </p:extLst>
-  </p:cSld>
-  <p:clrMapOvr>
-    <a:masterClrMapping/>
-  </p:clrMapOvr>
-</p:sld>
-</file>
-
 <file path=ppt/slides/slide9.xml><?xml version="1.0" encoding="utf-8"?>
 <p:sld xmlns:a="http://schemas.openxmlformats.org/drawingml/2006/main" xmlns:r="http://schemas.openxmlformats.org/officeDocument/2006/relationships" xmlns:p="http://schemas.openxmlformats.org/presentationml/2006/main">
   <p:cSld>
@@ -5730,9 +6095,28 @@
           <a:chExt cx="0" cy="0"/>
         </a:xfrm>
       </p:grpSpPr>
+      <p:sp>
+        <p:nvSpPr>
+          <p:cNvPr id="2" name="Title 1"/>
+          <p:cNvSpPr>
+            <a:spLocks noGrp="1"/>
+          </p:cNvSpPr>
+          <p:nvPr>
+            <p:ph type="title"/>
+          </p:nvPr>
+        </p:nvSpPr>
+        <p:spPr/>
+        <p:txBody>
+          <a:bodyPr/>
+          <a:lstStyle/>
+          <a:p>
+            <a:endParaRPr lang="en-US"/>
+          </a:p>
+        </p:txBody>
+      </p:sp>
       <p:pic>
         <p:nvPicPr>
-          <p:cNvPr id="4" name="Content Placeholder 3" descr="Server Architecture Layer Diagram.png"/>
+          <p:cNvPr id="4" name="Content Placeholder 3"/>
           <p:cNvPicPr>
             <a:picLocks noGrp="1" noChangeAspect="1"/>
           </p:cNvPicPr>
@@ -5741,29 +6125,28 @@
           </p:nvPr>
         </p:nvPicPr>
         <p:blipFill>
-          <a:blip r:embed="rId2">
+          <a:blip r:embed="rId2" cstate="email">
             <a:extLst>
               <a:ext uri="{28A0092B-C50C-407E-A947-70E740481C1C}">
                 <a14:useLocalDpi xmlns:a14="http://schemas.microsoft.com/office/drawing/2010/main" val="0"/>
               </a:ext>
             </a:extLst>
           </a:blip>
-          <a:srcRect l="-60321" r="-60321"/>
           <a:stretch>
             <a:fillRect/>
           </a:stretch>
         </p:blipFill>
         <p:spPr>
           <a:xfrm>
-            <a:off x="168970" y="494866"/>
-            <a:ext cx="8793593" cy="4185612"/>
+            <a:off x="2587156" y="1100138"/>
+            <a:ext cx="3991912" cy="3579812"/>
           </a:xfrm>
         </p:spPr>
       </p:pic>
     </p:spTree>
     <p:extLst>
       <p:ext uri="{BB962C8B-B14F-4D97-AF65-F5344CB8AC3E}">
-        <p14:creationId xmlns:p14="http://schemas.microsoft.com/office/powerpoint/2010/main" val="575060460"/>
+        <p14:creationId xmlns:p14="http://schemas.microsoft.com/office/powerpoint/2010/main" val="1170416571"/>
       </p:ext>
     </p:extLst>
   </p:cSld>
